--- a/av en presentatie/Advanced pcb labo NL.pptx
+++ b/av en presentatie/Advanced pcb labo NL.pptx
@@ -3732,8 +3732,12 @@
           <a:lstStyle/>
           <a:p>
             <a:r>
+              <a:rPr lang="en-US" dirty="0" err="1"/>
+              <a:t>Secundaire</a:t>
+            </a:r>
+            <a:r>
               <a:rPr lang="en-US" dirty="0"/>
-              <a:t>Secondary micro controller</a:t>
+              <a:t> micro controller</a:t>
             </a:r>
           </a:p>
         </p:txBody>
@@ -4902,15 +4906,7 @@
           <a:p>
             <a:r>
               <a:rPr lang="nl-BE" dirty="0"/>
-              <a:t>Geen componenten onder de </a:t>
-            </a:r>
-            <a:r>
-              <a:rPr lang="nl-BE" dirty="0" err="1"/>
-              <a:t>anthenne</a:t>
-            </a:r>
-            <a:r>
-              <a:rPr lang="nl-BE" dirty="0"/>
-              <a:t> </a:t>
+              <a:t>Geen componenten onder de antenne </a:t>
             </a:r>
           </a:p>
           <a:p>
@@ -5099,12 +5095,14 @@
         </p:nvSpPr>
         <p:spPr/>
         <p:txBody>
-          <a:bodyPr/>
-          <a:lstStyle/>
-          <a:p>
-            <a:r>
-              <a:rPr lang="nl-BE" dirty="0"/>
-              <a:t>Converteert signalen naar een ander spanning</a:t>
+          <a:bodyPr>
+            <a:normAutofit lnSpcReduction="10000"/>
+          </a:bodyPr>
+          <a:lstStyle/>
+          <a:p>
+            <a:r>
+              <a:rPr lang="nl-BE" dirty="0"/>
+              <a:t>Converteert signalen naar een andere spanning</a:t>
             </a:r>
           </a:p>
           <a:p>
@@ -6007,13 +6005,8 @@
             </a:r>
             <a:r>
               <a:rPr lang="en-US" dirty="0"/>
-              <a:t> </a:t>
-            </a:r>
-            <a:r>
-              <a:rPr lang="en-US" dirty="0" err="1"/>
-              <a:t>reciever</a:t>
-            </a:r>
-            <a:endParaRPr lang="en-US" dirty="0"/>
+              <a:t> Receiver </a:t>
+            </a:r>
           </a:p>
         </p:txBody>
       </p:sp>
@@ -7977,7 +7970,7 @@
             </a:r>
             <a:r>
               <a:rPr lang="nl-BE" dirty="0"/>
-              <a:t> 0</a:t>
+              <a:t> </a:t>
             </a:r>
           </a:p>
         </p:txBody>
@@ -8578,7 +8571,7 @@
             <a:pPr lvl="1"/>
             <a:r>
               <a:rPr lang="nl-BE" dirty="0"/>
-              <a:t>Botsingen vermijden</a:t>
+              <a:t>Gaat botsingen vermijden</a:t>
             </a:r>
           </a:p>
         </p:txBody>
@@ -9392,8 +9385,12 @@
           <a:lstStyle/>
           <a:p>
             <a:r>
+              <a:rPr lang="en-US" dirty="0" err="1"/>
+              <a:t>Secundaire</a:t>
+            </a:r>
+            <a:r>
               <a:rPr lang="en-US" dirty="0"/>
-              <a:t>Secondary micro controller</a:t>
+              <a:t> micro controller</a:t>
             </a:r>
           </a:p>
         </p:txBody>
